--- a/ppt/그림_인공지능_일자리.pptx
+++ b/ppt/그림_인공지능_일자리.pptx
@@ -463,11 +463,11 @@
           <c:showBubbleSize val="0"/>
         </c:dLbls>
         <c:gapWidth val="150"/>
-        <c:axId val="128737792"/>
-        <c:axId val="135697472"/>
+        <c:axId val="192915968"/>
+        <c:axId val="181758208"/>
       </c:barChart>
       <c:catAx>
-        <c:axId val="128737792"/>
+        <c:axId val="192915968"/>
         <c:scaling>
           <c:orientation val="minMax"/>
         </c:scaling>
@@ -476,7 +476,7 @@
         <c:majorTickMark val="out"/>
         <c:minorTickMark val="none"/>
         <c:tickLblPos val="nextTo"/>
-        <c:crossAx val="135697472"/>
+        <c:crossAx val="181758208"/>
         <c:crosses val="autoZero"/>
         <c:auto val="1"/>
         <c:lblAlgn val="ctr"/>
@@ -484,7 +484,7 @@
         <c:noMultiLvlLbl val="0"/>
       </c:catAx>
       <c:valAx>
-        <c:axId val="135697472"/>
+        <c:axId val="181758208"/>
         <c:scaling>
           <c:orientation val="minMax"/>
         </c:scaling>
@@ -494,7 +494,7 @@
         <c:majorTickMark val="out"/>
         <c:minorTickMark val="none"/>
         <c:tickLblPos val="nextTo"/>
-        <c:crossAx val="128737792"/>
+        <c:crossAx val="192915968"/>
         <c:crosses val="autoZero"/>
         <c:crossBetween val="between"/>
       </c:valAx>
@@ -719,11 +719,11 @@
           <c:showBubbleSize val="0"/>
         </c:dLbls>
         <c:gapWidth val="150"/>
-        <c:axId val="139568128"/>
-        <c:axId val="167857536"/>
+        <c:axId val="193209344"/>
+        <c:axId val="187037888"/>
       </c:barChart>
       <c:catAx>
-        <c:axId val="139568128"/>
+        <c:axId val="193209344"/>
         <c:scaling>
           <c:orientation val="minMax"/>
         </c:scaling>
@@ -743,7 +743,7 @@
             <a:endParaRPr lang="ko-KR"/>
           </a:p>
         </c:txPr>
-        <c:crossAx val="167857536"/>
+        <c:crossAx val="187037888"/>
         <c:crosses val="autoZero"/>
         <c:auto val="1"/>
         <c:lblAlgn val="ctr"/>
@@ -751,7 +751,7 @@
         <c:noMultiLvlLbl val="0"/>
       </c:catAx>
       <c:valAx>
-        <c:axId val="167857536"/>
+        <c:axId val="187037888"/>
         <c:scaling>
           <c:orientation val="minMax"/>
         </c:scaling>
@@ -761,7 +761,7 @@
         <c:majorTickMark val="out"/>
         <c:minorTickMark val="none"/>
         <c:tickLblPos val="nextTo"/>
-        <c:crossAx val="139568128"/>
+        <c:crossAx val="193209344"/>
         <c:crosses val="autoZero"/>
         <c:crossBetween val="between"/>
         <c:majorUnit val="0.2"/>
@@ -907,11 +907,11 @@
           <c:showBubbleSize val="0"/>
         </c:dLbls>
         <c:gapWidth val="150"/>
-        <c:axId val="132096000"/>
-        <c:axId val="136936768"/>
+        <c:axId val="193210368"/>
+        <c:axId val="193577536"/>
       </c:barChart>
       <c:catAx>
-        <c:axId val="132096000"/>
+        <c:axId val="193210368"/>
         <c:scaling>
           <c:orientation val="minMax"/>
         </c:scaling>
@@ -920,7 +920,7 @@
         <c:majorTickMark val="out"/>
         <c:minorTickMark val="none"/>
         <c:tickLblPos val="nextTo"/>
-        <c:crossAx val="136936768"/>
+        <c:crossAx val="193577536"/>
         <c:crosses val="autoZero"/>
         <c:auto val="1"/>
         <c:lblAlgn val="ctr"/>
@@ -928,7 +928,7 @@
         <c:noMultiLvlLbl val="0"/>
       </c:catAx>
       <c:valAx>
-        <c:axId val="136936768"/>
+        <c:axId val="193577536"/>
         <c:scaling>
           <c:orientation val="minMax"/>
         </c:scaling>
@@ -938,7 +938,7 @@
         <c:majorTickMark val="out"/>
         <c:minorTickMark val="none"/>
         <c:tickLblPos val="nextTo"/>
-        <c:crossAx val="132096000"/>
+        <c:crossAx val="193210368"/>
         <c:crosses val="autoZero"/>
         <c:crossBetween val="between"/>
       </c:valAx>
@@ -1010,9 +1010,9 @@
           </c:dLbls>
           <c:cat>
             <c:strRef>
-              <c:f>Sheet1!$A$2:$A$6</c:f>
+              <c:f>Sheet1!$A$2:$A$7</c:f>
               <c:strCache>
-                <c:ptCount val="5"/>
+                <c:ptCount val="6"/>
                 <c:pt idx="0">
                   <c:v>100만원 미만</c:v>
                 </c:pt>
@@ -1026,6 +1026,9 @@
                   <c:v>400만원 미만</c:v>
                 </c:pt>
                 <c:pt idx="4">
+                  <c:v>500만원 미만</c:v>
+                </c:pt>
+                <c:pt idx="5">
                   <c:v>500만원 이상</c:v>
                 </c:pt>
               </c:strCache>
@@ -1033,24 +1036,27 @@
           </c:cat>
           <c:val>
             <c:numRef>
-              <c:f>Sheet1!$B$2:$B$6</c:f>
+              <c:f>Sheet1!$B$2:$B$7</c:f>
               <c:numCache>
                 <c:formatCode>0%</c:formatCode>
-                <c:ptCount val="5"/>
+                <c:ptCount val="6"/>
                 <c:pt idx="0">
-                  <c:v>0.37</c:v>
+                  <c:v>0.36611282280732754</c:v>
                 </c:pt>
                 <c:pt idx="1">
-                  <c:v>0.39</c:v>
+                  <c:v>0.39461150236756631</c:v>
                 </c:pt>
                 <c:pt idx="2">
-                  <c:v>0.42</c:v>
+                  <c:v>0.42171462353854566</c:v>
                 </c:pt>
                 <c:pt idx="3">
-                  <c:v>0.38</c:v>
+                  <c:v>0.37740446909940067</c:v>
                 </c:pt>
                 <c:pt idx="4">
-                  <c:v>0.3</c:v>
+                  <c:v>0.33664495665501443</c:v>
+                </c:pt>
+                <c:pt idx="5">
+                  <c:v>0.27303920729966963</c:v>
                 </c:pt>
               </c:numCache>
             </c:numRef>
@@ -1065,11 +1071,11 @@
           <c:showBubbleSize val="0"/>
         </c:dLbls>
         <c:gapWidth val="150"/>
-        <c:axId val="132097024"/>
-        <c:axId val="137130496"/>
+        <c:axId val="193958400"/>
+        <c:axId val="193578112"/>
       </c:barChart>
       <c:catAx>
-        <c:axId val="132097024"/>
+        <c:axId val="193958400"/>
         <c:scaling>
           <c:orientation val="minMax"/>
         </c:scaling>
@@ -1078,7 +1084,7 @@
         <c:majorTickMark val="out"/>
         <c:minorTickMark val="none"/>
         <c:tickLblPos val="nextTo"/>
-        <c:crossAx val="137130496"/>
+        <c:crossAx val="193578112"/>
         <c:crosses val="autoZero"/>
         <c:auto val="1"/>
         <c:lblAlgn val="ctr"/>
@@ -1086,7 +1092,7 @@
         <c:noMultiLvlLbl val="0"/>
       </c:catAx>
       <c:valAx>
-        <c:axId val="137130496"/>
+        <c:axId val="193578112"/>
         <c:scaling>
           <c:orientation val="minMax"/>
           <c:max val="0.5"/>
@@ -1098,7 +1104,7 @@
         <c:majorTickMark val="out"/>
         <c:minorTickMark val="none"/>
         <c:tickLblPos val="nextTo"/>
-        <c:crossAx val="132097024"/>
+        <c:crossAx val="193958400"/>
         <c:crosses val="autoZero"/>
         <c:crossBetween val="between"/>
       </c:valAx>
@@ -1441,11 +1447,11 @@
           <c:showBubbleSize val="0"/>
         </c:dLbls>
         <c:gapWidth val="150"/>
-        <c:axId val="129081856"/>
-        <c:axId val="136929280"/>
+        <c:axId val="193278464"/>
+        <c:axId val="193102976"/>
       </c:barChart>
       <c:catAx>
-        <c:axId val="129081856"/>
+        <c:axId val="193278464"/>
         <c:scaling>
           <c:orientation val="minMax"/>
         </c:scaling>
@@ -1454,7 +1460,7 @@
         <c:majorTickMark val="out"/>
         <c:minorTickMark val="none"/>
         <c:tickLblPos val="low"/>
-        <c:crossAx val="136929280"/>
+        <c:crossAx val="193102976"/>
         <c:crosses val="autoZero"/>
         <c:auto val="1"/>
         <c:lblAlgn val="ctr"/>
@@ -1462,7 +1468,7 @@
         <c:noMultiLvlLbl val="0"/>
       </c:catAx>
       <c:valAx>
-        <c:axId val="136929280"/>
+        <c:axId val="193102976"/>
         <c:scaling>
           <c:orientation val="minMax"/>
         </c:scaling>
@@ -1472,7 +1478,7 @@
         <c:majorTickMark val="out"/>
         <c:minorTickMark val="none"/>
         <c:tickLblPos val="nextTo"/>
-        <c:crossAx val="129081856"/>
+        <c:crossAx val="193278464"/>
         <c:crosses val="autoZero"/>
         <c:crossBetween val="between"/>
       </c:valAx>
@@ -4129,11 +4135,11 @@
           <c:showPercent val="0"/>
           <c:showBubbleSize val="0"/>
         </c:dLbls>
-        <c:axId val="118432320"/>
-        <c:axId val="135699776"/>
+        <c:axId val="136643136"/>
+        <c:axId val="136643712"/>
       </c:scatterChart>
       <c:valAx>
-        <c:axId val="118432320"/>
+        <c:axId val="136643136"/>
         <c:scaling>
           <c:orientation val="minMax"/>
           <c:max val="10000"/>
@@ -4196,13 +4202,13 @@
             <a:endParaRPr lang="ko-KR"/>
           </a:p>
         </c:txPr>
-        <c:crossAx val="135699776"/>
+        <c:crossAx val="136643712"/>
         <c:crosses val="autoZero"/>
         <c:crossBetween val="midCat"/>
         <c:majorUnit val="1000"/>
       </c:valAx>
       <c:valAx>
-        <c:axId val="135699776"/>
+        <c:axId val="136643712"/>
         <c:scaling>
           <c:orientation val="minMax"/>
           <c:max val="1"/>
@@ -4234,7 +4240,7 @@
         <c:majorTickMark val="out"/>
         <c:minorTickMark val="none"/>
         <c:tickLblPos val="nextTo"/>
-        <c:crossAx val="118432320"/>
+        <c:crossAx val="136643136"/>
         <c:crosses val="autoZero"/>
         <c:crossBetween val="midCat"/>
       </c:valAx>
@@ -4402,11 +4408,11 @@
           <c:showBubbleSize val="0"/>
         </c:dLbls>
         <c:gapWidth val="150"/>
-        <c:axId val="129288704"/>
-        <c:axId val="118436928"/>
+        <c:axId val="192914944"/>
+        <c:axId val="136646592"/>
       </c:barChart>
       <c:catAx>
-        <c:axId val="129288704"/>
+        <c:axId val="192914944"/>
         <c:scaling>
           <c:orientation val="minMax"/>
         </c:scaling>
@@ -4415,7 +4421,7 @@
         <c:majorTickMark val="out"/>
         <c:minorTickMark val="none"/>
         <c:tickLblPos val="nextTo"/>
-        <c:crossAx val="118436928"/>
+        <c:crossAx val="136646592"/>
         <c:crosses val="autoZero"/>
         <c:auto val="1"/>
         <c:lblAlgn val="ctr"/>
@@ -4423,7 +4429,7 @@
         <c:noMultiLvlLbl val="0"/>
       </c:catAx>
       <c:valAx>
-        <c:axId val="118436928"/>
+        <c:axId val="136646592"/>
         <c:scaling>
           <c:orientation val="minMax"/>
         </c:scaling>
@@ -4433,7 +4439,7 @@
         <c:majorTickMark val="out"/>
         <c:minorTickMark val="none"/>
         <c:tickLblPos val="nextTo"/>
-        <c:crossAx val="129288704"/>
+        <c:crossAx val="192914944"/>
         <c:crosses val="autoZero"/>
         <c:crossBetween val="between"/>
       </c:valAx>
@@ -4682,11 +4688,11 @@
           <c:showBubbleSize val="0"/>
         </c:dLbls>
         <c:gapWidth val="150"/>
-        <c:axId val="132099072"/>
-        <c:axId val="139085504"/>
+        <c:axId val="192916480"/>
+        <c:axId val="136648896"/>
       </c:barChart>
       <c:catAx>
-        <c:axId val="132099072"/>
+        <c:axId val="192916480"/>
         <c:scaling>
           <c:orientation val="minMax"/>
         </c:scaling>
@@ -4705,7 +4711,7 @@
             <a:endParaRPr lang="ko-KR"/>
           </a:p>
         </c:txPr>
-        <c:crossAx val="139085504"/>
+        <c:crossAx val="136648896"/>
         <c:crosses val="autoZero"/>
         <c:auto val="1"/>
         <c:lblAlgn val="ctr"/>
@@ -4713,7 +4719,7 @@
         <c:noMultiLvlLbl val="0"/>
       </c:catAx>
       <c:valAx>
-        <c:axId val="139085504"/>
+        <c:axId val="136648896"/>
         <c:scaling>
           <c:orientation val="minMax"/>
           <c:max val="0.2"/>
@@ -4725,7 +4731,7 @@
         <c:majorTickMark val="out"/>
         <c:minorTickMark val="none"/>
         <c:tickLblPos val="nextTo"/>
-        <c:crossAx val="132099072"/>
+        <c:crossAx val="192916480"/>
         <c:crosses val="autoZero"/>
         <c:crossBetween val="between"/>
         <c:majorUnit val="0.2"/>
@@ -5055,11 +5061,11 @@
         </c:dLbls>
         <c:gapWidth val="0"/>
         <c:overlap val="100"/>
-        <c:axId val="132097536"/>
-        <c:axId val="139087808"/>
+        <c:axId val="193220096"/>
+        <c:axId val="187032128"/>
       </c:barChart>
       <c:catAx>
-        <c:axId val="132097536"/>
+        <c:axId val="193220096"/>
         <c:scaling>
           <c:orientation val="minMax"/>
         </c:scaling>
@@ -5068,7 +5074,7 @@
         <c:majorTickMark val="out"/>
         <c:minorTickMark val="none"/>
         <c:tickLblPos val="nextTo"/>
-        <c:crossAx val="139087808"/>
+        <c:crossAx val="187032128"/>
         <c:crosses val="autoZero"/>
         <c:auto val="1"/>
         <c:lblAlgn val="ctr"/>
@@ -5076,7 +5082,7 @@
         <c:noMultiLvlLbl val="0"/>
       </c:catAx>
       <c:valAx>
-        <c:axId val="139087808"/>
+        <c:axId val="187032128"/>
         <c:scaling>
           <c:orientation val="minMax"/>
         </c:scaling>
@@ -5086,7 +5092,7 @@
         <c:majorTickMark val="out"/>
         <c:minorTickMark val="none"/>
         <c:tickLblPos val="nextTo"/>
-        <c:crossAx val="132097536"/>
+        <c:crossAx val="193220096"/>
         <c:crosses val="autoZero"/>
         <c:crossBetween val="between"/>
         <c:dispUnits>
@@ -5565,11 +5571,11 @@
         </c:dLbls>
         <c:gapWidth val="0"/>
         <c:overlap val="100"/>
-        <c:axId val="129291264"/>
-        <c:axId val="136932160"/>
+        <c:axId val="193208832"/>
+        <c:axId val="187034432"/>
       </c:barChart>
       <c:catAx>
-        <c:axId val="129291264"/>
+        <c:axId val="193208832"/>
         <c:scaling>
           <c:orientation val="minMax"/>
         </c:scaling>
@@ -5578,7 +5584,7 @@
         <c:majorTickMark val="out"/>
         <c:minorTickMark val="none"/>
         <c:tickLblPos val="nextTo"/>
-        <c:crossAx val="136932160"/>
+        <c:crossAx val="187034432"/>
         <c:crosses val="autoZero"/>
         <c:auto val="1"/>
         <c:lblAlgn val="ctr"/>
@@ -5586,7 +5592,7 @@
         <c:noMultiLvlLbl val="0"/>
       </c:catAx>
       <c:valAx>
-        <c:axId val="136932160"/>
+        <c:axId val="187034432"/>
         <c:scaling>
           <c:orientation val="minMax"/>
           <c:max val="1000"/>
@@ -5597,7 +5603,7 @@
         <c:majorTickMark val="out"/>
         <c:minorTickMark val="none"/>
         <c:tickLblPos val="nextTo"/>
-        <c:crossAx val="129291264"/>
+        <c:crossAx val="193208832"/>
         <c:crosses val="autoZero"/>
         <c:crossBetween val="between"/>
         <c:majorUnit val="200"/>
@@ -5763,11 +5769,11 @@
           <c:showBubbleSize val="0"/>
         </c:dLbls>
         <c:gapWidth val="150"/>
-        <c:axId val="135063040"/>
-        <c:axId val="121185984"/>
+        <c:axId val="186911232"/>
+        <c:axId val="139196032"/>
       </c:barChart>
       <c:catAx>
-        <c:axId val="135063040"/>
+        <c:axId val="186911232"/>
         <c:scaling>
           <c:orientation val="maxMin"/>
         </c:scaling>
@@ -5776,7 +5782,7 @@
         <c:majorTickMark val="none"/>
         <c:minorTickMark val="none"/>
         <c:tickLblPos val="none"/>
-        <c:crossAx val="121185984"/>
+        <c:crossAx val="139196032"/>
         <c:crosses val="autoZero"/>
         <c:auto val="1"/>
         <c:lblAlgn val="ctr"/>
@@ -5784,7 +5790,7 @@
         <c:noMultiLvlLbl val="0"/>
       </c:catAx>
       <c:valAx>
-        <c:axId val="121185984"/>
+        <c:axId val="139196032"/>
         <c:scaling>
           <c:orientation val="minMax"/>
           <c:max val="0.60000000000000009"/>
@@ -5796,7 +5802,7 @@
         <c:majorTickMark val="out"/>
         <c:minorTickMark val="none"/>
         <c:tickLblPos val="nextTo"/>
-        <c:crossAx val="135063040"/>
+        <c:crossAx val="186911232"/>
         <c:crosses val="autoZero"/>
         <c:crossBetween val="between"/>
       </c:valAx>
@@ -5956,11 +5962,11 @@
           <c:showBubbleSize val="0"/>
         </c:dLbls>
         <c:gapWidth val="150"/>
-        <c:axId val="135064064"/>
-        <c:axId val="121184832"/>
+        <c:axId val="184926208"/>
+        <c:axId val="139197760"/>
       </c:barChart>
       <c:catAx>
-        <c:axId val="135064064"/>
+        <c:axId val="184926208"/>
         <c:scaling>
           <c:orientation val="maxMin"/>
         </c:scaling>
@@ -5969,7 +5975,7 @@
         <c:majorTickMark val="none"/>
         <c:minorTickMark val="none"/>
         <c:tickLblPos val="none"/>
-        <c:crossAx val="121184832"/>
+        <c:crossAx val="139197760"/>
         <c:crosses val="autoZero"/>
         <c:auto val="1"/>
         <c:lblAlgn val="ctr"/>
@@ -5977,7 +5983,7 @@
         <c:noMultiLvlLbl val="0"/>
       </c:catAx>
       <c:valAx>
-        <c:axId val="121184832"/>
+        <c:axId val="139197760"/>
         <c:scaling>
           <c:orientation val="minMax"/>
           <c:max val="0.60000000000000009"/>
@@ -5989,7 +5995,7 @@
         <c:majorTickMark val="out"/>
         <c:minorTickMark val="none"/>
         <c:tickLblPos val="nextTo"/>
-        <c:crossAx val="135064064"/>
+        <c:crossAx val="184926208"/>
         <c:crosses val="autoZero"/>
         <c:crossBetween val="between"/>
       </c:valAx>
@@ -6149,11 +6155,11 @@
           <c:showBubbleSize val="0"/>
         </c:dLbls>
         <c:gapWidth val="150"/>
-        <c:axId val="135064576"/>
-        <c:axId val="121190016"/>
+        <c:axId val="184926720"/>
+        <c:axId val="181757056"/>
       </c:barChart>
       <c:catAx>
-        <c:axId val="135064576"/>
+        <c:axId val="184926720"/>
         <c:scaling>
           <c:orientation val="maxMin"/>
         </c:scaling>
@@ -6162,7 +6168,7 @@
         <c:majorTickMark val="out"/>
         <c:minorTickMark val="none"/>
         <c:tickLblPos val="low"/>
-        <c:crossAx val="121190016"/>
+        <c:crossAx val="181757056"/>
         <c:crosses val="autoZero"/>
         <c:auto val="1"/>
         <c:lblAlgn val="ctr"/>
@@ -6170,7 +6176,7 @@
         <c:noMultiLvlLbl val="0"/>
       </c:catAx>
       <c:valAx>
-        <c:axId val="121190016"/>
+        <c:axId val="181757056"/>
         <c:scaling>
           <c:orientation val="minMax"/>
           <c:max val="0.60000000000000009"/>
@@ -6182,7 +6188,7 @@
         <c:majorTickMark val="out"/>
         <c:minorTickMark val="none"/>
         <c:tickLblPos val="nextTo"/>
-        <c:crossAx val="135064576"/>
+        <c:crossAx val="184926720"/>
         <c:crosses val="autoZero"/>
         <c:crossBetween val="between"/>
       </c:valAx>
@@ -9412,7 +9418,7 @@
           <a:p>
             <a:fld id="{BBC1A0B8-A07A-4DB1-838F-6160FE5F0D98}" type="datetimeFigureOut">
               <a:rPr lang="ko-KR" altLang="en-US" smtClean="0"/>
-              <a:t>2018-05-02</a:t>
+              <a:t>2018-05-03</a:t>
             </a:fld>
             <a:endParaRPr lang="ko-KR" altLang="en-US"/>
           </a:p>
@@ -9582,7 +9588,7 @@
           <a:p>
             <a:fld id="{BBC1A0B8-A07A-4DB1-838F-6160FE5F0D98}" type="datetimeFigureOut">
               <a:rPr lang="ko-KR" altLang="en-US" smtClean="0"/>
-              <a:t>2018-05-02</a:t>
+              <a:t>2018-05-03</a:t>
             </a:fld>
             <a:endParaRPr lang="ko-KR" altLang="en-US"/>
           </a:p>
@@ -9762,7 +9768,7 @@
           <a:p>
             <a:fld id="{BBC1A0B8-A07A-4DB1-838F-6160FE5F0D98}" type="datetimeFigureOut">
               <a:rPr lang="ko-KR" altLang="en-US" smtClean="0"/>
-              <a:t>2018-05-02</a:t>
+              <a:t>2018-05-03</a:t>
             </a:fld>
             <a:endParaRPr lang="ko-KR" altLang="en-US"/>
           </a:p>
@@ -9932,7 +9938,7 @@
           <a:p>
             <a:fld id="{BBC1A0B8-A07A-4DB1-838F-6160FE5F0D98}" type="datetimeFigureOut">
               <a:rPr lang="ko-KR" altLang="en-US" smtClean="0"/>
-              <a:t>2018-05-02</a:t>
+              <a:t>2018-05-03</a:t>
             </a:fld>
             <a:endParaRPr lang="ko-KR" altLang="en-US"/>
           </a:p>
@@ -10178,7 +10184,7 @@
           <a:p>
             <a:fld id="{BBC1A0B8-A07A-4DB1-838F-6160FE5F0D98}" type="datetimeFigureOut">
               <a:rPr lang="ko-KR" altLang="en-US" smtClean="0"/>
-              <a:t>2018-05-02</a:t>
+              <a:t>2018-05-03</a:t>
             </a:fld>
             <a:endParaRPr lang="ko-KR" altLang="en-US"/>
           </a:p>
@@ -10466,7 +10472,7 @@
           <a:p>
             <a:fld id="{BBC1A0B8-A07A-4DB1-838F-6160FE5F0D98}" type="datetimeFigureOut">
               <a:rPr lang="ko-KR" altLang="en-US" smtClean="0"/>
-              <a:t>2018-05-02</a:t>
+              <a:t>2018-05-03</a:t>
             </a:fld>
             <a:endParaRPr lang="ko-KR" altLang="en-US"/>
           </a:p>
@@ -10888,7 +10894,7 @@
           <a:p>
             <a:fld id="{BBC1A0B8-A07A-4DB1-838F-6160FE5F0D98}" type="datetimeFigureOut">
               <a:rPr lang="ko-KR" altLang="en-US" smtClean="0"/>
-              <a:t>2018-05-02</a:t>
+              <a:t>2018-05-03</a:t>
             </a:fld>
             <a:endParaRPr lang="ko-KR" altLang="en-US"/>
           </a:p>
@@ -11006,7 +11012,7 @@
           <a:p>
             <a:fld id="{BBC1A0B8-A07A-4DB1-838F-6160FE5F0D98}" type="datetimeFigureOut">
               <a:rPr lang="ko-KR" altLang="en-US" smtClean="0"/>
-              <a:t>2018-05-02</a:t>
+              <a:t>2018-05-03</a:t>
             </a:fld>
             <a:endParaRPr lang="ko-KR" altLang="en-US"/>
           </a:p>
@@ -11101,7 +11107,7 @@
           <a:p>
             <a:fld id="{BBC1A0B8-A07A-4DB1-838F-6160FE5F0D98}" type="datetimeFigureOut">
               <a:rPr lang="ko-KR" altLang="en-US" smtClean="0"/>
-              <a:t>2018-05-02</a:t>
+              <a:t>2018-05-03</a:t>
             </a:fld>
             <a:endParaRPr lang="ko-KR" altLang="en-US"/>
           </a:p>
@@ -11378,7 +11384,7 @@
           <a:p>
             <a:fld id="{BBC1A0B8-A07A-4DB1-838F-6160FE5F0D98}" type="datetimeFigureOut">
               <a:rPr lang="ko-KR" altLang="en-US" smtClean="0"/>
-              <a:t>2018-05-02</a:t>
+              <a:t>2018-05-03</a:t>
             </a:fld>
             <a:endParaRPr lang="ko-KR" altLang="en-US"/>
           </a:p>
@@ -11631,7 +11637,7 @@
           <a:p>
             <a:fld id="{BBC1A0B8-A07A-4DB1-838F-6160FE5F0D98}" type="datetimeFigureOut">
               <a:rPr lang="ko-KR" altLang="en-US" smtClean="0"/>
-              <a:t>2018-05-02</a:t>
+              <a:t>2018-05-03</a:t>
             </a:fld>
             <a:endParaRPr lang="ko-KR" altLang="en-US"/>
           </a:p>
@@ -11844,7 +11850,7 @@
           <a:p>
             <a:fld id="{BBC1A0B8-A07A-4DB1-838F-6160FE5F0D98}" type="datetimeFigureOut">
               <a:rPr lang="ko-KR" altLang="en-US" smtClean="0"/>
-              <a:t>2018-05-02</a:t>
+              <a:t>2018-05-03</a:t>
             </a:fld>
             <a:endParaRPr lang="ko-KR" altLang="en-US"/>
           </a:p>
@@ -12574,7 +12580,7 @@
             <p:ph idx="1"/>
             <p:extLst>
               <p:ext uri="{D42A27DB-BD31-4B8C-83A1-F6EECF244321}">
-                <p14:modId xmlns:p14="http://schemas.microsoft.com/office/powerpoint/2010/main" val="2660733524"/>
+                <p14:modId xmlns:p14="http://schemas.microsoft.com/office/powerpoint/2010/main" val="2126193258"/>
               </p:ext>
             </p:extLst>
           </p:nvPr>
@@ -16357,7 +16363,6 @@
               <a:rPr lang="ko-KR" altLang="en-US" sz="3600" dirty="0"/>
               <a:t>자동화 가능 업무 영역의 확장</a:t>
             </a:r>
-            <a:endParaRPr lang="ko-KR" altLang="en-US" sz="3600" dirty="0"/>
           </a:p>
         </p:txBody>
       </p:sp>
@@ -18814,11 +18819,7 @@
             </a:r>
             <a:r>
               <a:rPr lang="ko-KR" altLang="en-US" sz="2000" dirty="0" smtClean="0"/>
-              <a:t>한국과 </a:t>
-            </a:r>
-            <a:r>
-              <a:rPr lang="ko-KR" altLang="en-US" sz="2000" dirty="0" smtClean="0"/>
-              <a:t>미국 산업별 고위험군 비중 격차</a:t>
+              <a:t>한국과 미국 산업별 고위험군 비중 격차</a:t>
             </a:r>
             <a:endParaRPr lang="ko-KR" altLang="en-US" sz="2000" dirty="0"/>
           </a:p>
@@ -18934,7 +18935,6 @@
               <a:rPr lang="ko-KR" altLang="en-US" dirty="0"/>
               <a:t> 취업자수 </a:t>
             </a:r>
-            <a:endParaRPr lang="ko-KR" altLang="en-US" dirty="0"/>
           </a:p>
         </p:txBody>
       </p:sp>

--- a/ppt/그림_인공지능_일자리.pptx
+++ b/ppt/그림_인공지능_일자리.pptx
@@ -463,11 +463,11 @@
           <c:showBubbleSize val="0"/>
         </c:dLbls>
         <c:gapWidth val="150"/>
-        <c:axId val="192915968"/>
-        <c:axId val="181758208"/>
+        <c:axId val="206943744"/>
+        <c:axId val="120683840"/>
       </c:barChart>
       <c:catAx>
-        <c:axId val="192915968"/>
+        <c:axId val="206943744"/>
         <c:scaling>
           <c:orientation val="minMax"/>
         </c:scaling>
@@ -476,7 +476,7 @@
         <c:majorTickMark val="out"/>
         <c:minorTickMark val="none"/>
         <c:tickLblPos val="nextTo"/>
-        <c:crossAx val="181758208"/>
+        <c:crossAx val="120683840"/>
         <c:crosses val="autoZero"/>
         <c:auto val="1"/>
         <c:lblAlgn val="ctr"/>
@@ -484,7 +484,7 @@
         <c:noMultiLvlLbl val="0"/>
       </c:catAx>
       <c:valAx>
-        <c:axId val="181758208"/>
+        <c:axId val="120683840"/>
         <c:scaling>
           <c:orientation val="minMax"/>
         </c:scaling>
@@ -494,7 +494,7 @@
         <c:majorTickMark val="out"/>
         <c:minorTickMark val="none"/>
         <c:tickLblPos val="nextTo"/>
-        <c:crossAx val="192915968"/>
+        <c:crossAx val="206943744"/>
         <c:crosses val="autoZero"/>
         <c:crossBetween val="between"/>
       </c:valAx>
@@ -719,11 +719,11 @@
           <c:showBubbleSize val="0"/>
         </c:dLbls>
         <c:gapWidth val="150"/>
-        <c:axId val="193209344"/>
-        <c:axId val="187037888"/>
+        <c:axId val="225895424"/>
+        <c:axId val="234143744"/>
       </c:barChart>
       <c:catAx>
-        <c:axId val="193209344"/>
+        <c:axId val="225895424"/>
         <c:scaling>
           <c:orientation val="minMax"/>
         </c:scaling>
@@ -743,7 +743,7 @@
             <a:endParaRPr lang="ko-KR"/>
           </a:p>
         </c:txPr>
-        <c:crossAx val="187037888"/>
+        <c:crossAx val="234143744"/>
         <c:crosses val="autoZero"/>
         <c:auto val="1"/>
         <c:lblAlgn val="ctr"/>
@@ -751,7 +751,7 @@
         <c:noMultiLvlLbl val="0"/>
       </c:catAx>
       <c:valAx>
-        <c:axId val="187037888"/>
+        <c:axId val="234143744"/>
         <c:scaling>
           <c:orientation val="minMax"/>
         </c:scaling>
@@ -761,7 +761,7 @@
         <c:majorTickMark val="out"/>
         <c:minorTickMark val="none"/>
         <c:tickLblPos val="nextTo"/>
-        <c:crossAx val="193209344"/>
+        <c:crossAx val="225895424"/>
         <c:crosses val="autoZero"/>
         <c:crossBetween val="between"/>
         <c:majorUnit val="0.2"/>
@@ -907,11 +907,11 @@
           <c:showBubbleSize val="0"/>
         </c:dLbls>
         <c:gapWidth val="150"/>
-        <c:axId val="193210368"/>
-        <c:axId val="193577536"/>
+        <c:axId val="225894912"/>
+        <c:axId val="226079808"/>
       </c:barChart>
       <c:catAx>
-        <c:axId val="193210368"/>
+        <c:axId val="225894912"/>
         <c:scaling>
           <c:orientation val="minMax"/>
         </c:scaling>
@@ -920,7 +920,7 @@
         <c:majorTickMark val="out"/>
         <c:minorTickMark val="none"/>
         <c:tickLblPos val="nextTo"/>
-        <c:crossAx val="193577536"/>
+        <c:crossAx val="226079808"/>
         <c:crosses val="autoZero"/>
         <c:auto val="1"/>
         <c:lblAlgn val="ctr"/>
@@ -928,7 +928,7 @@
         <c:noMultiLvlLbl val="0"/>
       </c:catAx>
       <c:valAx>
-        <c:axId val="193577536"/>
+        <c:axId val="226079808"/>
         <c:scaling>
           <c:orientation val="minMax"/>
         </c:scaling>
@@ -938,7 +938,7 @@
         <c:majorTickMark val="out"/>
         <c:minorTickMark val="none"/>
         <c:tickLblPos val="nextTo"/>
-        <c:crossAx val="193210368"/>
+        <c:crossAx val="225894912"/>
         <c:crosses val="autoZero"/>
         <c:crossBetween val="between"/>
       </c:valAx>
@@ -1071,11 +1071,11 @@
           <c:showBubbleSize val="0"/>
         </c:dLbls>
         <c:gapWidth val="150"/>
-        <c:axId val="193958400"/>
-        <c:axId val="193578112"/>
+        <c:axId val="225897472"/>
+        <c:axId val="234145472"/>
       </c:barChart>
       <c:catAx>
-        <c:axId val="193958400"/>
+        <c:axId val="225897472"/>
         <c:scaling>
           <c:orientation val="minMax"/>
         </c:scaling>
@@ -1084,7 +1084,7 @@
         <c:majorTickMark val="out"/>
         <c:minorTickMark val="none"/>
         <c:tickLblPos val="nextTo"/>
-        <c:crossAx val="193578112"/>
+        <c:crossAx val="234145472"/>
         <c:crosses val="autoZero"/>
         <c:auto val="1"/>
         <c:lblAlgn val="ctr"/>
@@ -1092,7 +1092,7 @@
         <c:noMultiLvlLbl val="0"/>
       </c:catAx>
       <c:valAx>
-        <c:axId val="193578112"/>
+        <c:axId val="234145472"/>
         <c:scaling>
           <c:orientation val="minMax"/>
           <c:max val="0.5"/>
@@ -1104,7 +1104,7 @@
         <c:majorTickMark val="out"/>
         <c:minorTickMark val="none"/>
         <c:tickLblPos val="nextTo"/>
-        <c:crossAx val="193958400"/>
+        <c:crossAx val="225897472"/>
         <c:crosses val="autoZero"/>
         <c:crossBetween val="between"/>
       </c:valAx>
@@ -1447,11 +1447,11 @@
           <c:showBubbleSize val="0"/>
         </c:dLbls>
         <c:gapWidth val="150"/>
-        <c:axId val="193278464"/>
-        <c:axId val="193102976"/>
+        <c:axId val="234343424"/>
+        <c:axId val="234146624"/>
       </c:barChart>
       <c:catAx>
-        <c:axId val="193278464"/>
+        <c:axId val="234343424"/>
         <c:scaling>
           <c:orientation val="minMax"/>
         </c:scaling>
@@ -1460,7 +1460,7 @@
         <c:majorTickMark val="out"/>
         <c:minorTickMark val="none"/>
         <c:tickLblPos val="low"/>
-        <c:crossAx val="193102976"/>
+        <c:crossAx val="234146624"/>
         <c:crosses val="autoZero"/>
         <c:auto val="1"/>
         <c:lblAlgn val="ctr"/>
@@ -1468,7 +1468,7 @@
         <c:noMultiLvlLbl val="0"/>
       </c:catAx>
       <c:valAx>
-        <c:axId val="193102976"/>
+        <c:axId val="234146624"/>
         <c:scaling>
           <c:orientation val="minMax"/>
         </c:scaling>
@@ -1478,7 +1478,7 @@
         <c:majorTickMark val="out"/>
         <c:minorTickMark val="none"/>
         <c:tickLblPos val="nextTo"/>
-        <c:crossAx val="193278464"/>
+        <c:crossAx val="234343424"/>
         <c:crosses val="autoZero"/>
         <c:crossBetween val="between"/>
       </c:valAx>
@@ -4135,11 +4135,11 @@
           <c:showPercent val="0"/>
           <c:showBubbleSize val="0"/>
         </c:dLbls>
-        <c:axId val="136643136"/>
-        <c:axId val="136643712"/>
+        <c:axId val="205667648"/>
+        <c:axId val="205666496"/>
       </c:scatterChart>
       <c:valAx>
-        <c:axId val="136643136"/>
+        <c:axId val="205667648"/>
         <c:scaling>
           <c:orientation val="minMax"/>
           <c:max val="10000"/>
@@ -4202,13 +4202,13 @@
             <a:endParaRPr lang="ko-KR"/>
           </a:p>
         </c:txPr>
-        <c:crossAx val="136643712"/>
+        <c:crossAx val="205666496"/>
         <c:crosses val="autoZero"/>
         <c:crossBetween val="midCat"/>
         <c:majorUnit val="1000"/>
       </c:valAx>
       <c:valAx>
-        <c:axId val="136643712"/>
+        <c:axId val="205666496"/>
         <c:scaling>
           <c:orientation val="minMax"/>
           <c:max val="1"/>
@@ -4240,7 +4240,7 @@
         <c:majorTickMark val="out"/>
         <c:minorTickMark val="none"/>
         <c:tickLblPos val="nextTo"/>
-        <c:crossAx val="136643136"/>
+        <c:crossAx val="205667648"/>
         <c:crosses val="autoZero"/>
         <c:crossBetween val="midCat"/>
       </c:valAx>
@@ -4408,11 +4408,11 @@
           <c:showBubbleSize val="0"/>
         </c:dLbls>
         <c:gapWidth val="150"/>
-        <c:axId val="192914944"/>
-        <c:axId val="136646592"/>
+        <c:axId val="206945792"/>
+        <c:axId val="207011840"/>
       </c:barChart>
       <c:catAx>
-        <c:axId val="192914944"/>
+        <c:axId val="206945792"/>
         <c:scaling>
           <c:orientation val="minMax"/>
         </c:scaling>
@@ -4421,7 +4421,7 @@
         <c:majorTickMark val="out"/>
         <c:minorTickMark val="none"/>
         <c:tickLblPos val="nextTo"/>
-        <c:crossAx val="136646592"/>
+        <c:crossAx val="207011840"/>
         <c:crosses val="autoZero"/>
         <c:auto val="1"/>
         <c:lblAlgn val="ctr"/>
@@ -4429,7 +4429,7 @@
         <c:noMultiLvlLbl val="0"/>
       </c:catAx>
       <c:valAx>
-        <c:axId val="136646592"/>
+        <c:axId val="207011840"/>
         <c:scaling>
           <c:orientation val="minMax"/>
         </c:scaling>
@@ -4439,7 +4439,7 @@
         <c:majorTickMark val="out"/>
         <c:minorTickMark val="none"/>
         <c:tickLblPos val="nextTo"/>
-        <c:crossAx val="192914944"/>
+        <c:crossAx val="206945792"/>
         <c:crosses val="autoZero"/>
         <c:crossBetween val="between"/>
       </c:valAx>
@@ -4688,11 +4688,11 @@
           <c:showBubbleSize val="0"/>
         </c:dLbls>
         <c:gapWidth val="150"/>
-        <c:axId val="192916480"/>
-        <c:axId val="136648896"/>
+        <c:axId val="225886208"/>
+        <c:axId val="207014144"/>
       </c:barChart>
       <c:catAx>
-        <c:axId val="192916480"/>
+        <c:axId val="225886208"/>
         <c:scaling>
           <c:orientation val="minMax"/>
         </c:scaling>
@@ -4711,7 +4711,7 @@
             <a:endParaRPr lang="ko-KR"/>
           </a:p>
         </c:txPr>
-        <c:crossAx val="136648896"/>
+        <c:crossAx val="207014144"/>
         <c:crosses val="autoZero"/>
         <c:auto val="1"/>
         <c:lblAlgn val="ctr"/>
@@ -4719,7 +4719,7 @@
         <c:noMultiLvlLbl val="0"/>
       </c:catAx>
       <c:valAx>
-        <c:axId val="136648896"/>
+        <c:axId val="207014144"/>
         <c:scaling>
           <c:orientation val="minMax"/>
           <c:max val="0.2"/>
@@ -4731,7 +4731,7 @@
         <c:majorTickMark val="out"/>
         <c:minorTickMark val="none"/>
         <c:tickLblPos val="nextTo"/>
-        <c:crossAx val="192916480"/>
+        <c:crossAx val="225886208"/>
         <c:crosses val="autoZero"/>
         <c:crossBetween val="between"/>
         <c:majorUnit val="0.2"/>
@@ -5061,11 +5061,11 @@
         </c:dLbls>
         <c:gapWidth val="0"/>
         <c:overlap val="100"/>
-        <c:axId val="193220096"/>
-        <c:axId val="187032128"/>
+        <c:axId val="206945280"/>
+        <c:axId val="207016448"/>
       </c:barChart>
       <c:catAx>
-        <c:axId val="193220096"/>
+        <c:axId val="206945280"/>
         <c:scaling>
           <c:orientation val="minMax"/>
         </c:scaling>
@@ -5074,7 +5074,7 @@
         <c:majorTickMark val="out"/>
         <c:minorTickMark val="none"/>
         <c:tickLblPos val="nextTo"/>
-        <c:crossAx val="187032128"/>
+        <c:crossAx val="207016448"/>
         <c:crosses val="autoZero"/>
         <c:auto val="1"/>
         <c:lblAlgn val="ctr"/>
@@ -5082,7 +5082,7 @@
         <c:noMultiLvlLbl val="0"/>
       </c:catAx>
       <c:valAx>
-        <c:axId val="187032128"/>
+        <c:axId val="207016448"/>
         <c:scaling>
           <c:orientation val="minMax"/>
         </c:scaling>
@@ -5092,7 +5092,7 @@
         <c:majorTickMark val="out"/>
         <c:minorTickMark val="none"/>
         <c:tickLblPos val="nextTo"/>
-        <c:crossAx val="193220096"/>
+        <c:crossAx val="206945280"/>
         <c:crosses val="autoZero"/>
         <c:crossBetween val="between"/>
         <c:dispUnits>
@@ -5571,11 +5571,11 @@
         </c:dLbls>
         <c:gapWidth val="0"/>
         <c:overlap val="100"/>
-        <c:axId val="193208832"/>
-        <c:axId val="187034432"/>
+        <c:axId val="225887744"/>
+        <c:axId val="207018752"/>
       </c:barChart>
       <c:catAx>
-        <c:axId val="193208832"/>
+        <c:axId val="225887744"/>
         <c:scaling>
           <c:orientation val="minMax"/>
         </c:scaling>
@@ -5584,7 +5584,7 @@
         <c:majorTickMark val="out"/>
         <c:minorTickMark val="none"/>
         <c:tickLblPos val="nextTo"/>
-        <c:crossAx val="187034432"/>
+        <c:crossAx val="207018752"/>
         <c:crosses val="autoZero"/>
         <c:auto val="1"/>
         <c:lblAlgn val="ctr"/>
@@ -5592,7 +5592,7 @@
         <c:noMultiLvlLbl val="0"/>
       </c:catAx>
       <c:valAx>
-        <c:axId val="187034432"/>
+        <c:axId val="207018752"/>
         <c:scaling>
           <c:orientation val="minMax"/>
           <c:max val="1000"/>
@@ -5603,7 +5603,7 @@
         <c:majorTickMark val="out"/>
         <c:minorTickMark val="none"/>
         <c:tickLblPos val="nextTo"/>
-        <c:crossAx val="193208832"/>
+        <c:crossAx val="225887744"/>
         <c:crosses val="autoZero"/>
         <c:crossBetween val="between"/>
         <c:majorUnit val="200"/>
@@ -5769,11 +5769,11 @@
           <c:showBubbleSize val="0"/>
         </c:dLbls>
         <c:gapWidth val="150"/>
-        <c:axId val="186911232"/>
-        <c:axId val="139196032"/>
+        <c:axId val="205727744"/>
+        <c:axId val="95428608"/>
       </c:barChart>
       <c:catAx>
-        <c:axId val="186911232"/>
+        <c:axId val="205727744"/>
         <c:scaling>
           <c:orientation val="maxMin"/>
         </c:scaling>
@@ -5782,7 +5782,7 @@
         <c:majorTickMark val="none"/>
         <c:minorTickMark val="none"/>
         <c:tickLblPos val="none"/>
-        <c:crossAx val="139196032"/>
+        <c:crossAx val="95428608"/>
         <c:crosses val="autoZero"/>
         <c:auto val="1"/>
         <c:lblAlgn val="ctr"/>
@@ -5790,7 +5790,7 @@
         <c:noMultiLvlLbl val="0"/>
       </c:catAx>
       <c:valAx>
-        <c:axId val="139196032"/>
+        <c:axId val="95428608"/>
         <c:scaling>
           <c:orientation val="minMax"/>
           <c:max val="0.60000000000000009"/>
@@ -5802,7 +5802,7 @@
         <c:majorTickMark val="out"/>
         <c:minorTickMark val="none"/>
         <c:tickLblPos val="nextTo"/>
-        <c:crossAx val="186911232"/>
+        <c:crossAx val="205727744"/>
         <c:crosses val="autoZero"/>
         <c:crossBetween val="between"/>
       </c:valAx>
@@ -5962,11 +5962,11 @@
           <c:showBubbleSize val="0"/>
         </c:dLbls>
         <c:gapWidth val="150"/>
-        <c:axId val="184926208"/>
-        <c:axId val="139197760"/>
+        <c:axId val="205726208"/>
+        <c:axId val="205661888"/>
       </c:barChart>
       <c:catAx>
-        <c:axId val="184926208"/>
+        <c:axId val="205726208"/>
         <c:scaling>
           <c:orientation val="maxMin"/>
         </c:scaling>
@@ -5975,7 +5975,7 @@
         <c:majorTickMark val="none"/>
         <c:minorTickMark val="none"/>
         <c:tickLblPos val="none"/>
-        <c:crossAx val="139197760"/>
+        <c:crossAx val="205661888"/>
         <c:crosses val="autoZero"/>
         <c:auto val="1"/>
         <c:lblAlgn val="ctr"/>
@@ -5983,7 +5983,7 @@
         <c:noMultiLvlLbl val="0"/>
       </c:catAx>
       <c:valAx>
-        <c:axId val="139197760"/>
+        <c:axId val="205661888"/>
         <c:scaling>
           <c:orientation val="minMax"/>
           <c:max val="0.60000000000000009"/>
@@ -5995,7 +5995,7 @@
         <c:majorTickMark val="out"/>
         <c:minorTickMark val="none"/>
         <c:tickLblPos val="nextTo"/>
-        <c:crossAx val="184926208"/>
+        <c:crossAx val="205726208"/>
         <c:crosses val="autoZero"/>
         <c:crossBetween val="between"/>
       </c:valAx>
@@ -6155,11 +6155,11 @@
           <c:showBubbleSize val="0"/>
         </c:dLbls>
         <c:gapWidth val="150"/>
-        <c:axId val="184926720"/>
-        <c:axId val="181757056"/>
+        <c:axId val="205728256"/>
+        <c:axId val="205663616"/>
       </c:barChart>
       <c:catAx>
-        <c:axId val="184926720"/>
+        <c:axId val="205728256"/>
         <c:scaling>
           <c:orientation val="maxMin"/>
         </c:scaling>
@@ -6168,7 +6168,7 @@
         <c:majorTickMark val="out"/>
         <c:minorTickMark val="none"/>
         <c:tickLblPos val="low"/>
-        <c:crossAx val="181757056"/>
+        <c:crossAx val="205663616"/>
         <c:crosses val="autoZero"/>
         <c:auto val="1"/>
         <c:lblAlgn val="ctr"/>
@@ -6176,7 +6176,7 @@
         <c:noMultiLvlLbl val="0"/>
       </c:catAx>
       <c:valAx>
-        <c:axId val="181757056"/>
+        <c:axId val="205663616"/>
         <c:scaling>
           <c:orientation val="minMax"/>
           <c:max val="0.60000000000000009"/>
@@ -6188,7 +6188,7 @@
         <c:majorTickMark val="out"/>
         <c:minorTickMark val="none"/>
         <c:tickLblPos val="nextTo"/>
-        <c:crossAx val="184926720"/>
+        <c:crossAx val="205728256"/>
         <c:crosses val="autoZero"/>
         <c:crossBetween val="between"/>
       </c:valAx>
@@ -9418,7 +9418,7 @@
           <a:p>
             <a:fld id="{BBC1A0B8-A07A-4DB1-838F-6160FE5F0D98}" type="datetimeFigureOut">
               <a:rPr lang="ko-KR" altLang="en-US" smtClean="0"/>
-              <a:t>2018-05-03</a:t>
+              <a:t>2018-05-04</a:t>
             </a:fld>
             <a:endParaRPr lang="ko-KR" altLang="en-US"/>
           </a:p>
@@ -9588,7 +9588,7 @@
           <a:p>
             <a:fld id="{BBC1A0B8-A07A-4DB1-838F-6160FE5F0D98}" type="datetimeFigureOut">
               <a:rPr lang="ko-KR" altLang="en-US" smtClean="0"/>
-              <a:t>2018-05-03</a:t>
+              <a:t>2018-05-04</a:t>
             </a:fld>
             <a:endParaRPr lang="ko-KR" altLang="en-US"/>
           </a:p>
@@ -9768,7 +9768,7 @@
           <a:p>
             <a:fld id="{BBC1A0B8-A07A-4DB1-838F-6160FE5F0D98}" type="datetimeFigureOut">
               <a:rPr lang="ko-KR" altLang="en-US" smtClean="0"/>
-              <a:t>2018-05-03</a:t>
+              <a:t>2018-05-04</a:t>
             </a:fld>
             <a:endParaRPr lang="ko-KR" altLang="en-US"/>
           </a:p>
@@ -9938,7 +9938,7 @@
           <a:p>
             <a:fld id="{BBC1A0B8-A07A-4DB1-838F-6160FE5F0D98}" type="datetimeFigureOut">
               <a:rPr lang="ko-KR" altLang="en-US" smtClean="0"/>
-              <a:t>2018-05-03</a:t>
+              <a:t>2018-05-04</a:t>
             </a:fld>
             <a:endParaRPr lang="ko-KR" altLang="en-US"/>
           </a:p>
@@ -10184,7 +10184,7 @@
           <a:p>
             <a:fld id="{BBC1A0B8-A07A-4DB1-838F-6160FE5F0D98}" type="datetimeFigureOut">
               <a:rPr lang="ko-KR" altLang="en-US" smtClean="0"/>
-              <a:t>2018-05-03</a:t>
+              <a:t>2018-05-04</a:t>
             </a:fld>
             <a:endParaRPr lang="ko-KR" altLang="en-US"/>
           </a:p>
@@ -10472,7 +10472,7 @@
           <a:p>
             <a:fld id="{BBC1A0B8-A07A-4DB1-838F-6160FE5F0D98}" type="datetimeFigureOut">
               <a:rPr lang="ko-KR" altLang="en-US" smtClean="0"/>
-              <a:t>2018-05-03</a:t>
+              <a:t>2018-05-04</a:t>
             </a:fld>
             <a:endParaRPr lang="ko-KR" altLang="en-US"/>
           </a:p>
@@ -10894,7 +10894,7 @@
           <a:p>
             <a:fld id="{BBC1A0B8-A07A-4DB1-838F-6160FE5F0D98}" type="datetimeFigureOut">
               <a:rPr lang="ko-KR" altLang="en-US" smtClean="0"/>
-              <a:t>2018-05-03</a:t>
+              <a:t>2018-05-04</a:t>
             </a:fld>
             <a:endParaRPr lang="ko-KR" altLang="en-US"/>
           </a:p>
@@ -11012,7 +11012,7 @@
           <a:p>
             <a:fld id="{BBC1A0B8-A07A-4DB1-838F-6160FE5F0D98}" type="datetimeFigureOut">
               <a:rPr lang="ko-KR" altLang="en-US" smtClean="0"/>
-              <a:t>2018-05-03</a:t>
+              <a:t>2018-05-04</a:t>
             </a:fld>
             <a:endParaRPr lang="ko-KR" altLang="en-US"/>
           </a:p>
@@ -11107,7 +11107,7 @@
           <a:p>
             <a:fld id="{BBC1A0B8-A07A-4DB1-838F-6160FE5F0D98}" type="datetimeFigureOut">
               <a:rPr lang="ko-KR" altLang="en-US" smtClean="0"/>
-              <a:t>2018-05-03</a:t>
+              <a:t>2018-05-04</a:t>
             </a:fld>
             <a:endParaRPr lang="ko-KR" altLang="en-US"/>
           </a:p>
@@ -11384,7 +11384,7 @@
           <a:p>
             <a:fld id="{BBC1A0B8-A07A-4DB1-838F-6160FE5F0D98}" type="datetimeFigureOut">
               <a:rPr lang="ko-KR" altLang="en-US" smtClean="0"/>
-              <a:t>2018-05-03</a:t>
+              <a:t>2018-05-04</a:t>
             </a:fld>
             <a:endParaRPr lang="ko-KR" altLang="en-US"/>
           </a:p>
@@ -11637,7 +11637,7 @@
           <a:p>
             <a:fld id="{BBC1A0B8-A07A-4DB1-838F-6160FE5F0D98}" type="datetimeFigureOut">
               <a:rPr lang="ko-KR" altLang="en-US" smtClean="0"/>
-              <a:t>2018-05-03</a:t>
+              <a:t>2018-05-04</a:t>
             </a:fld>
             <a:endParaRPr lang="ko-KR" altLang="en-US"/>
           </a:p>
@@ -11850,7 +11850,7 @@
           <a:p>
             <a:fld id="{BBC1A0B8-A07A-4DB1-838F-6160FE5F0D98}" type="datetimeFigureOut">
               <a:rPr lang="ko-KR" altLang="en-US" smtClean="0"/>
-              <a:t>2018-05-03</a:t>
+              <a:t>2018-05-04</a:t>
             </a:fld>
             <a:endParaRPr lang="ko-KR" altLang="en-US"/>
           </a:p>
@@ -18865,7 +18865,7 @@
             <p:ph idx="1"/>
             <p:extLst>
               <p:ext uri="{D42A27DB-BD31-4B8C-83A1-F6EECF244321}">
-                <p14:modId xmlns:p14="http://schemas.microsoft.com/office/powerpoint/2010/main" val="1960913675"/>
+                <p14:modId xmlns:p14="http://schemas.microsoft.com/office/powerpoint/2010/main" val="3922266171"/>
               </p:ext>
             </p:extLst>
           </p:nvPr>
